--- a/rdbms ia1.pptx
+++ b/rdbms ia1.pptx
@@ -212,7 +212,7 @@
           <a:p>
             <a:fld id="{9C8D386B-2F1F-45DE-AFA0-E7C291F55FC8}" type="datetimeFigureOut">
               <a:rPr lang="en-IN" smtClean="0"/>
-              <a:t>24-03-2021</a:t>
+              <a:t>26-04-2021</a:t>
             </a:fld>
             <a:endParaRPr lang="en-IN"/>
           </a:p>
@@ -613,7 +613,7 @@
           <a:p>
             <a:fld id="{0D8E4D32-3C63-4560-B1ED-66010D869213}" type="datetimeFigureOut">
               <a:rPr lang="en-IN" smtClean="0"/>
-              <a:t>24-03-2021</a:t>
+              <a:t>26-04-2021</a:t>
             </a:fld>
             <a:endParaRPr lang="en-IN"/>
           </a:p>
@@ -900,7 +900,7 @@
           <a:p>
             <a:fld id="{0D8E4D32-3C63-4560-B1ED-66010D869213}" type="datetimeFigureOut">
               <a:rPr lang="en-IN" smtClean="0"/>
-              <a:t>24-03-2021</a:t>
+              <a:t>26-04-2021</a:t>
             </a:fld>
             <a:endParaRPr lang="en-IN"/>
           </a:p>
@@ -1092,7 +1092,7 @@
           <a:p>
             <a:fld id="{0D8E4D32-3C63-4560-B1ED-66010D869213}" type="datetimeFigureOut">
               <a:rPr lang="en-IN" smtClean="0"/>
-              <a:t>24-03-2021</a:t>
+              <a:t>26-04-2021</a:t>
             </a:fld>
             <a:endParaRPr lang="en-IN"/>
           </a:p>
@@ -1353,7 +1353,7 @@
           <a:p>
             <a:fld id="{0D8E4D32-3C63-4560-B1ED-66010D869213}" type="datetimeFigureOut">
               <a:rPr lang="en-IN" smtClean="0"/>
-              <a:t>24-03-2021</a:t>
+              <a:t>26-04-2021</a:t>
             </a:fld>
             <a:endParaRPr lang="en-IN"/>
           </a:p>
@@ -1777,7 +1777,7 @@
           <a:p>
             <a:fld id="{0D8E4D32-3C63-4560-B1ED-66010D869213}" type="datetimeFigureOut">
               <a:rPr lang="en-IN" smtClean="0"/>
-              <a:t>24-03-2021</a:t>
+              <a:t>26-04-2021</a:t>
             </a:fld>
             <a:endParaRPr lang="en-IN"/>
           </a:p>
@@ -2323,7 +2323,7 @@
           <a:p>
             <a:fld id="{0D8E4D32-3C63-4560-B1ED-66010D869213}" type="datetimeFigureOut">
               <a:rPr lang="en-IN" smtClean="0"/>
-              <a:t>24-03-2021</a:t>
+              <a:t>26-04-2021</a:t>
             </a:fld>
             <a:endParaRPr lang="en-IN"/>
           </a:p>
@@ -3163,7 +3163,7 @@
           <a:p>
             <a:fld id="{0D8E4D32-3C63-4560-B1ED-66010D869213}" type="datetimeFigureOut">
               <a:rPr lang="en-IN" smtClean="0"/>
-              <a:t>24-03-2021</a:t>
+              <a:t>26-04-2021</a:t>
             </a:fld>
             <a:endParaRPr lang="en-IN"/>
           </a:p>
@@ -3333,7 +3333,7 @@
           <a:p>
             <a:fld id="{0D8E4D32-3C63-4560-B1ED-66010D869213}" type="datetimeFigureOut">
               <a:rPr lang="en-IN" smtClean="0"/>
-              <a:t>24-03-2021</a:t>
+              <a:t>26-04-2021</a:t>
             </a:fld>
             <a:endParaRPr lang="en-IN"/>
           </a:p>
@@ -3517,7 +3517,7 @@
           <a:p>
             <a:fld id="{0D8E4D32-3C63-4560-B1ED-66010D869213}" type="datetimeFigureOut">
               <a:rPr lang="en-IN" smtClean="0"/>
-              <a:t>24-03-2021</a:t>
+              <a:t>26-04-2021</a:t>
             </a:fld>
             <a:endParaRPr lang="en-IN"/>
           </a:p>
@@ -3687,7 +3687,7 @@
           <a:p>
             <a:fld id="{0D8E4D32-3C63-4560-B1ED-66010D869213}" type="datetimeFigureOut">
               <a:rPr lang="en-IN" smtClean="0"/>
-              <a:t>24-03-2021</a:t>
+              <a:t>26-04-2021</a:t>
             </a:fld>
             <a:endParaRPr lang="en-IN"/>
           </a:p>
@@ -3935,7 +3935,7 @@
           <a:p>
             <a:fld id="{0D8E4D32-3C63-4560-B1ED-66010D869213}" type="datetimeFigureOut">
               <a:rPr lang="en-IN" smtClean="0"/>
-              <a:t>24-03-2021</a:t>
+              <a:t>26-04-2021</a:t>
             </a:fld>
             <a:endParaRPr lang="en-IN"/>
           </a:p>
@@ -4172,7 +4172,7 @@
           <a:p>
             <a:fld id="{0D8E4D32-3C63-4560-B1ED-66010D869213}" type="datetimeFigureOut">
               <a:rPr lang="en-IN" smtClean="0"/>
-              <a:t>24-03-2021</a:t>
+              <a:t>26-04-2021</a:t>
             </a:fld>
             <a:endParaRPr lang="en-IN"/>
           </a:p>
@@ -4545,7 +4545,7 @@
           <a:p>
             <a:fld id="{0D8E4D32-3C63-4560-B1ED-66010D869213}" type="datetimeFigureOut">
               <a:rPr lang="en-IN" smtClean="0"/>
-              <a:t>24-03-2021</a:t>
+              <a:t>26-04-2021</a:t>
             </a:fld>
             <a:endParaRPr lang="en-IN"/>
           </a:p>
@@ -4663,7 +4663,7 @@
           <a:p>
             <a:fld id="{0D8E4D32-3C63-4560-B1ED-66010D869213}" type="datetimeFigureOut">
               <a:rPr lang="en-IN" smtClean="0"/>
-              <a:t>24-03-2021</a:t>
+              <a:t>26-04-2021</a:t>
             </a:fld>
             <a:endParaRPr lang="en-IN"/>
           </a:p>
@@ -4758,7 +4758,7 @@
           <a:p>
             <a:fld id="{0D8E4D32-3C63-4560-B1ED-66010D869213}" type="datetimeFigureOut">
               <a:rPr lang="en-IN" smtClean="0"/>
-              <a:t>24-03-2021</a:t>
+              <a:t>26-04-2021</a:t>
             </a:fld>
             <a:endParaRPr lang="en-IN"/>
           </a:p>
@@ -5009,7 +5009,7 @@
           <a:p>
             <a:fld id="{0D8E4D32-3C63-4560-B1ED-66010D869213}" type="datetimeFigureOut">
               <a:rPr lang="en-IN" smtClean="0"/>
-              <a:t>24-03-2021</a:t>
+              <a:t>26-04-2021</a:t>
             </a:fld>
             <a:endParaRPr lang="en-IN"/>
           </a:p>
@@ -5296,7 +5296,7 @@
           <a:p>
             <a:fld id="{0D8E4D32-3C63-4560-B1ED-66010D869213}" type="datetimeFigureOut">
               <a:rPr lang="en-IN" smtClean="0"/>
-              <a:t>24-03-2021</a:t>
+              <a:t>26-04-2021</a:t>
             </a:fld>
             <a:endParaRPr lang="en-IN"/>
           </a:p>
@@ -5509,7 +5509,7 @@
           <a:p>
             <a:fld id="{0D8E4D32-3C63-4560-B1ED-66010D869213}" type="datetimeFigureOut">
               <a:rPr lang="en-IN" smtClean="0"/>
-              <a:t>24-03-2021</a:t>
+              <a:t>26-04-2021</a:t>
             </a:fld>
             <a:endParaRPr lang="en-IN"/>
           </a:p>
